--- a/src/site/resources/files/xdi2-connector-personal.pptx
+++ b/src/site/resources/files/xdi2-connector-personal.pptx
@@ -196,7 +196,7 @@
             <a:fld id="{B1ACB323-EB0D-6F46-BE28-3F6B6C6249FA}" type="datetimeFigureOut">
               <a:rPr lang="en-US" smtClean="0"/>
               <a:pPr/>
-              <a:t>8/16/2012</a:t>
+              <a:t>8/17/2012</a:t>
             </a:fld>
             <a:endParaRPr lang="en-US"/>
           </a:p>
@@ -364,7 +364,7 @@
             <a:fld id="{659687F0-3512-864A-899D-C30E93E665FC}" type="datetimeFigureOut">
               <a:rPr lang="en-US" smtClean="0"/>
               <a:pPr/>
-              <a:t>8/16/2012</a:t>
+              <a:t>8/17/2012</a:t>
             </a:fld>
             <a:endParaRPr lang="en-US"/>
           </a:p>
@@ -818,7 +818,7 @@
             <a:fld id="{CC19B390-26DE-EC42-9536-DB4D5D42F353}" type="datetime1">
               <a:rPr lang="en-US" smtClean="0"/>
               <a:pPr/>
-              <a:t>8/16/2012</a:t>
+              <a:t>8/17/2012</a:t>
             </a:fld>
             <a:endParaRPr lang="en-US"/>
           </a:p>
@@ -985,7 +985,7 @@
             <a:fld id="{F87380A3-F082-184B-B91D-D15A611F50C5}" type="datetime1">
               <a:rPr lang="en-US" smtClean="0"/>
               <a:pPr/>
-              <a:t>8/16/2012</a:t>
+              <a:t>8/17/2012</a:t>
             </a:fld>
             <a:endParaRPr lang="en-US"/>
           </a:p>
@@ -1162,7 +1162,7 @@
             <a:fld id="{59758453-BBA4-CE44-A510-94BAAAA8F10B}" type="datetime1">
               <a:rPr lang="en-US" smtClean="0"/>
               <a:pPr/>
-              <a:t>8/16/2012</a:t>
+              <a:t>8/17/2012</a:t>
             </a:fld>
             <a:endParaRPr lang="en-US"/>
           </a:p>
@@ -1329,7 +1329,7 @@
             <a:fld id="{4DB4D5F1-4E70-634B-AFDD-C92141017ACE}" type="datetime1">
               <a:rPr lang="en-US" smtClean="0"/>
               <a:pPr/>
-              <a:t>8/16/2012</a:t>
+              <a:t>8/17/2012</a:t>
             </a:fld>
             <a:endParaRPr lang="en-US"/>
           </a:p>
@@ -1572,7 +1572,7 @@
             <a:fld id="{83642C8F-6EF3-6C40-A110-6652134D9B54}" type="datetime1">
               <a:rPr lang="en-US" smtClean="0"/>
               <a:pPr/>
-              <a:t>8/16/2012</a:t>
+              <a:t>8/17/2012</a:t>
             </a:fld>
             <a:endParaRPr lang="en-US"/>
           </a:p>
@@ -1857,7 +1857,7 @@
             <a:fld id="{D79BD240-69C9-8941-987E-F054C3F70DC0}" type="datetime1">
               <a:rPr lang="en-US" smtClean="0"/>
               <a:pPr/>
-              <a:t>8/16/2012</a:t>
+              <a:t>8/17/2012</a:t>
             </a:fld>
             <a:endParaRPr lang="en-US"/>
           </a:p>
@@ -2281,7 +2281,7 @@
             <a:fld id="{8D48398B-5EC2-A54F-9B77-ECC2014EA132}" type="datetime1">
               <a:rPr lang="en-US" smtClean="0"/>
               <a:pPr/>
-              <a:t>8/16/2012</a:t>
+              <a:t>8/17/2012</a:t>
             </a:fld>
             <a:endParaRPr lang="en-US"/>
           </a:p>
@@ -2396,7 +2396,7 @@
             <a:fld id="{C5779240-87A5-4E47-9DCF-A877F1ADEE48}" type="datetime1">
               <a:rPr lang="en-US" smtClean="0"/>
               <a:pPr/>
-              <a:t>8/16/2012</a:t>
+              <a:t>8/17/2012</a:t>
             </a:fld>
             <a:endParaRPr lang="en-US"/>
           </a:p>
@@ -2488,7 +2488,7 @@
             <a:fld id="{F8899BAC-432A-014B-A7BE-81B8A7662BA7}" type="datetime1">
               <a:rPr lang="en-US" smtClean="0"/>
               <a:pPr/>
-              <a:t>8/16/2012</a:t>
+              <a:t>8/17/2012</a:t>
             </a:fld>
             <a:endParaRPr lang="en-US"/>
           </a:p>
@@ -2762,7 +2762,7 @@
             <a:fld id="{73F8D0E9-002B-CD49-B2EA-EA3BEB4C8953}" type="datetime1">
               <a:rPr lang="en-US" smtClean="0"/>
               <a:pPr/>
-              <a:t>8/16/2012</a:t>
+              <a:t>8/17/2012</a:t>
             </a:fld>
             <a:endParaRPr lang="en-US"/>
           </a:p>
@@ -3012,7 +3012,7 @@
             <a:fld id="{9A4C8C76-0E14-CF4C-BA20-2D8AACF85795}" type="datetime1">
               <a:rPr lang="en-US" smtClean="0"/>
               <a:pPr/>
-              <a:t>8/16/2012</a:t>
+              <a:t>8/17/2012</a:t>
             </a:fld>
             <a:endParaRPr lang="en-US"/>
           </a:p>
@@ -3222,7 +3222,7 @@
             <a:fld id="{56489049-FEDB-2345-9323-8517DEF5E780}" type="datetime1">
               <a:rPr lang="en-US" smtClean="0"/>
               <a:pPr/>
-              <a:t>8/16/2012</a:t>
+              <a:t>8/17/2012</a:t>
             </a:fld>
             <a:endParaRPr lang="en-US"/>
           </a:p>
@@ -3765,11 +3765,7 @@
           <a:p>
             <a:r>
               <a:rPr lang="en-US" sz="1200" dirty="0" smtClean="0"/>
-              <a:t>The diagram below explains how th</a:t>
-            </a:r>
-            <a:r>
-              <a:rPr lang="en-US" sz="1200" dirty="0" smtClean="0"/>
-              <a:t>e </a:t>
+              <a:t>The diagram below explains how the </a:t>
             </a:r>
             <a:r>
               <a:rPr lang="en-US" sz="1200" dirty="0" err="1" smtClean="0"/>
@@ -3787,7 +3783,6 @@
               <a:rPr lang="en-US" sz="1200" dirty="0" smtClean="0"/>
               <a:t>graph, in order to fetch data from the Personal.com API.</a:t>
             </a:r>
-            <a:endParaRPr lang="en-US" sz="1200" dirty="0" smtClean="0"/>
           </a:p>
         </p:txBody>
       </p:sp>
@@ -4779,8 +4774,8 @@
         </p:nvSpPr>
         <p:spPr>
           <a:xfrm>
-            <a:off x="26526" y="8681518"/>
-            <a:ext cx="1406549" cy="462482"/>
+            <a:off x="176771" y="8161406"/>
+            <a:ext cx="3127782" cy="687673"/>
           </a:xfrm>
           <a:prstGeom prst="rect">
             <a:avLst/>
@@ -4807,7 +4802,7 @@
             </a:r>
             <a:r>
               <a:rPr lang="en-US" sz="1200" b="1" i="1" dirty="0" err="1" smtClean="0"/>
-              <a:t>NameGemContributor</a:t>
+              <a:t>PersonalGemContributor</a:t>
             </a:r>
             <a:endParaRPr lang="en-US" sz="1200" b="1" i="1" dirty="0"/>
           </a:p>
@@ -6442,7 +6437,6 @@
               <a:rPr lang="en-US" sz="1400" dirty="0"/>
               <a:t>$!($token)</a:t>
             </a:r>
-            <a:endParaRPr lang="en-US" sz="1400" dirty="0"/>
           </a:p>
         </p:txBody>
       </p:sp>
@@ -6612,6 +6606,121 @@
           <a:p>
             <a:pPr algn="ctr"/>
             <a:endParaRPr lang="en-US" sz="1400"/>
+          </a:p>
+        </p:txBody>
+      </p:sp>
+      <p:sp>
+        <p:nvSpPr>
+          <p:cNvPr id="74" name="Rectangle 73"/>
+          <p:cNvSpPr/>
+          <p:nvPr/>
+        </p:nvSpPr>
+        <p:spPr>
+          <a:xfrm>
+            <a:off x="5314646" y="6277212"/>
+            <a:ext cx="194513" cy="194513"/>
+          </a:xfrm>
+          <a:prstGeom prst="rect">
+            <a:avLst/>
+          </a:prstGeom>
+          <a:noFill/>
+          <a:ln>
+            <a:solidFill>
+              <a:schemeClr val="tx1"/>
+            </a:solidFill>
+          </a:ln>
+        </p:spPr>
+        <p:style>
+          <a:lnRef idx="1">
+            <a:schemeClr val="accent1"/>
+          </a:lnRef>
+          <a:fillRef idx="3">
+            <a:schemeClr val="accent1"/>
+          </a:fillRef>
+          <a:effectRef idx="2">
+            <a:schemeClr val="accent1"/>
+          </a:effectRef>
+          <a:fontRef idx="minor">
+            <a:schemeClr val="lt1"/>
+          </a:fontRef>
+        </p:style>
+        <p:txBody>
+          <a:bodyPr rtlCol="0" anchor="ctr"/>
+          <a:lstStyle/>
+          <a:p>
+            <a:pPr algn="ctr"/>
+            <a:endParaRPr lang="en-US" sz="1400"/>
+          </a:p>
+        </p:txBody>
+      </p:sp>
+      <p:cxnSp>
+        <p:nvCxnSpPr>
+          <p:cNvPr id="75" name="Curved Connector 7"/>
+          <p:cNvCxnSpPr>
+            <a:endCxn id="74" idx="1"/>
+          </p:cNvCxnSpPr>
+          <p:nvPr/>
+        </p:nvCxnSpPr>
+        <p:spPr>
+          <a:xfrm rot="16200000" flipH="1">
+            <a:off x="4891993" y="5951816"/>
+            <a:ext cx="304162" cy="541143"/>
+          </a:xfrm>
+          <a:prstGeom prst="curvedConnector2">
+            <a:avLst/>
+          </a:prstGeom>
+          <a:ln w="25400" cap="flat" cmpd="sng" algn="ctr">
+            <a:solidFill>
+              <a:schemeClr val="tx1"/>
+            </a:solidFill>
+            <a:prstDash val="sysDot"/>
+            <a:round/>
+            <a:headEnd type="none" w="med" len="med"/>
+            <a:tailEnd type="arrow" w="med" len="med"/>
+          </a:ln>
+        </p:spPr>
+        <p:style>
+          <a:lnRef idx="2">
+            <a:schemeClr val="accent1"/>
+          </a:lnRef>
+          <a:fillRef idx="0">
+            <a:schemeClr val="accent1"/>
+          </a:fillRef>
+          <a:effectRef idx="1">
+            <a:schemeClr val="accent1"/>
+          </a:effectRef>
+          <a:fontRef idx="minor">
+            <a:schemeClr val="tx1"/>
+          </a:fontRef>
+        </p:style>
+      </p:cxnSp>
+      <p:sp>
+        <p:nvSpPr>
+          <p:cNvPr id="76" name="TextBox 75"/>
+          <p:cNvSpPr txBox="1"/>
+          <p:nvPr/>
+        </p:nvSpPr>
+        <p:spPr>
+          <a:xfrm>
+            <a:off x="5468018" y="6199115"/>
+            <a:ext cx="882870" cy="307777"/>
+          </a:xfrm>
+          <a:prstGeom prst="rect">
+            <a:avLst/>
+          </a:prstGeom>
+          <a:noFill/>
+        </p:spPr>
+        <p:txBody>
+          <a:bodyPr wrap="none" rtlCol="0">
+            <a:spAutoFit/>
+          </a:bodyPr>
+          <a:lstStyle/>
+          <a:p>
+            <a:r>
+              <a:rPr lang="en-US" sz="1400" dirty="0" smtClean="0"/>
+              <a:t>“Markus”</a:t>
+            </a:r>
+            <a:endParaRPr lang="en-US" sz="1400" dirty="0"/>
           </a:p>
         </p:txBody>
       </p:sp>
